--- a/fall2015/bus4750/powerpoints/finalExam.pptx
+++ b/fall2015/bus4750/powerpoints/finalExam.pptx
@@ -929,6 +929,10 @@
                 <a:spcPct val="0"/>
               </a:spcBef>
             </a:pPr>
+            <a:r>
+              <a:rPr lang="en-US" sz="1400" dirty="0" smtClean="0"/>
+              <a:t>A</a:t>
+            </a:r>
             <a:endParaRPr lang="en-US" sz="1400" dirty="0" smtClean="0"/>
           </a:p>
         </p:txBody>
@@ -1060,6 +1064,10 @@
             <a:br>
               <a:rPr lang="en-US" sz="1400" dirty="0" smtClean="0"/>
             </a:br>
+            <a:r>
+              <a:rPr lang="en-US" sz="1400" dirty="0" smtClean="0"/>
+              <a:t>B</a:t>
+            </a:r>
             <a:endParaRPr lang="en-US" sz="1400" dirty="0" smtClean="0"/>
           </a:p>
         </p:txBody>
@@ -1184,6 +1192,10 @@
                 <a:spcPct val="0"/>
               </a:spcBef>
             </a:pPr>
+            <a:r>
+              <a:rPr lang="en-US" sz="1400" dirty="0" smtClean="0"/>
+              <a:t>D</a:t>
+            </a:r>
             <a:endParaRPr lang="en-US" sz="1400" dirty="0" smtClean="0"/>
           </a:p>
         </p:txBody>
@@ -1706,6 +1718,10 @@
                 <a:spcPct val="0"/>
               </a:spcBef>
             </a:pPr>
+            <a:r>
+              <a:rPr lang="en-US" sz="1400" dirty="0" smtClean="0"/>
+              <a:t>B</a:t>
+            </a:r>
             <a:endParaRPr lang="en-US" sz="1400" dirty="0" smtClean="0"/>
           </a:p>
         </p:txBody>
@@ -2196,6 +2212,10 @@
                 <a:spcPct val="0"/>
               </a:spcBef>
             </a:pPr>
+            <a:r>
+              <a:rPr lang="en-US" sz="1400" dirty="0" smtClean="0"/>
+              <a:t>A</a:t>
+            </a:r>
             <a:endParaRPr lang="en-US" sz="1400" dirty="0" smtClean="0"/>
           </a:p>
         </p:txBody>
@@ -2320,6 +2340,10 @@
                 <a:spcPct val="0"/>
               </a:spcBef>
             </a:pPr>
+            <a:r>
+              <a:rPr lang="en-US" sz="1400" dirty="0" smtClean="0"/>
+              <a:t>C</a:t>
+            </a:r>
             <a:endParaRPr lang="en-US" sz="1400" dirty="0" smtClean="0"/>
           </a:p>
         </p:txBody>
@@ -2444,6 +2468,10 @@
                 <a:spcPct val="0"/>
               </a:spcBef>
             </a:pPr>
+            <a:r>
+              <a:rPr lang="en-US" sz="1400" dirty="0" smtClean="0"/>
+              <a:t>C</a:t>
+            </a:r>
             <a:endParaRPr lang="en-US" sz="1400" dirty="0" smtClean="0"/>
           </a:p>
         </p:txBody>
@@ -2568,6 +2596,10 @@
                 <a:spcPct val="0"/>
               </a:spcBef>
             </a:pPr>
+            <a:r>
+              <a:rPr lang="en-US" sz="1400" dirty="0" smtClean="0"/>
+              <a:t>C</a:t>
+            </a:r>
             <a:endParaRPr lang="en-US" sz="1400" dirty="0" smtClean="0"/>
           </a:p>
         </p:txBody>
@@ -9051,22 +9083,30 @@
             <a:pPr lvl="1"/>
             <a:r>
               <a:rPr lang="en-US" b="1" dirty="0" smtClean="0"/>
-              <a:t>__________</a:t>
+              <a:t>Principals</a:t>
             </a:r>
             <a:r>
               <a:rPr lang="en-US" dirty="0" smtClean="0"/>
-              <a:t> – who are owners of the firm (stockholders), and the </a:t>
+              <a:t> – </a:t>
+            </a:r>
+            <a:r>
+              <a:rPr lang="en-US" dirty="0" smtClean="0"/>
+              <a:t>who are owners of the firm (stockholders), and the </a:t>
             </a:r>
           </a:p>
           <a:p>
             <a:pPr lvl="1"/>
             <a:r>
               <a:rPr lang="en-US" b="1" dirty="0" smtClean="0"/>
-              <a:t>________</a:t>
+              <a:t>Agents </a:t>
             </a:r>
             <a:r>
               <a:rPr lang="en-US" dirty="0" smtClean="0"/>
-              <a:t> – who are the people paid by principals to perform a job on their behalf (management)</a:t>
+              <a:t>– </a:t>
+            </a:r>
+            <a:r>
+              <a:rPr lang="en-US" dirty="0" smtClean="0"/>
+              <a:t>who are the people paid by principals to perform a job on their behalf (management)</a:t>
             </a:r>
           </a:p>
         </p:txBody>
@@ -9162,11 +9202,19 @@
           <a:p>
             <a:r>
               <a:rPr lang="en-US" sz="2500" dirty="0" smtClean="0"/>
-              <a:t>Goals of principals and agents may _____ </a:t>
+              <a:t>Goals of principals and agents may </a:t>
+            </a:r>
+            <a:r>
+              <a:rPr lang="en-US" sz="2500" b="1" dirty="0" smtClean="0"/>
+              <a:t>conflict </a:t>
             </a:r>
             <a:r>
               <a:rPr lang="en-US" sz="2600" dirty="0" smtClean="0"/>
-              <a:t>(short-term vs. long-term)</a:t>
+              <a:t>(short-term </a:t>
+            </a:r>
+            <a:r>
+              <a:rPr lang="en-US" sz="2600" dirty="0" smtClean="0"/>
+              <a:t>vs. long-term)</a:t>
             </a:r>
             <a:endParaRPr lang="en-US" sz="2500" dirty="0" smtClean="0"/>
           </a:p>
@@ -9194,8 +9242,13 @@
           <a:p>
             <a:r>
               <a:rPr lang="en-US" sz="2500" dirty="0" smtClean="0"/>
-              <a:t>Principal and agent may have ____________________ _____________________________</a:t>
-            </a:r>
+              <a:t>Principal and agent may have </a:t>
+            </a:r>
+            <a:r>
+              <a:rPr lang="en-US" sz="2500" b="1" dirty="0" smtClean="0"/>
+              <a:t>different attitudes and preferences toward risk</a:t>
+            </a:r>
+            <a:endParaRPr lang="en-US" sz="2500" b="1" dirty="0" smtClean="0"/>
           </a:p>
         </p:txBody>
       </p:sp>
@@ -9865,11 +9918,7 @@
             </a:r>
             <a:r>
               <a:rPr lang="en-US" dirty="0" smtClean="0"/>
-              <a:t> </a:t>
-            </a:r>
-            <a:r>
-              <a:rPr lang="en-US" dirty="0" smtClean="0"/>
-              <a:t>and </a:t>
+              <a:t> and </a:t>
             </a:r>
             <a:r>
               <a:rPr lang="en-US" b="1" dirty="0" smtClean="0"/>
@@ -9877,11 +9926,7 @@
             </a:r>
             <a:r>
               <a:rPr lang="en-US" dirty="0" smtClean="0"/>
-              <a:t> </a:t>
-            </a:r>
-            <a:r>
-              <a:rPr lang="en-US" dirty="0" smtClean="0"/>
-              <a:t>a firm’s strategy and performance. </a:t>
+              <a:t> a firm’s strategy and performance. </a:t>
             </a:r>
             <a:endParaRPr lang="en-US" dirty="0"/>
           </a:p>
@@ -9893,11 +9938,7 @@
             </a:r>
             <a:r>
               <a:rPr lang="en-US" dirty="0" smtClean="0"/>
-              <a:t> control </a:t>
-            </a:r>
-            <a:r>
-              <a:rPr lang="en-US" dirty="0" smtClean="0"/>
-              <a:t>– </a:t>
+              <a:t> control – </a:t>
             </a:r>
             <a:r>
               <a:rPr lang="en-US" b="1" dirty="0" smtClean="0"/>
@@ -9907,7 +9948,6 @@
               <a:rPr lang="en-US" dirty="0" smtClean="0"/>
               <a:t>.</a:t>
             </a:r>
-            <a:endParaRPr lang="en-US" dirty="0" smtClean="0"/>
           </a:p>
           <a:p>
             <a:pPr lvl="2"/>
@@ -9924,11 +9964,7 @@
             </a:r>
             <a:r>
               <a:rPr lang="en-US" dirty="0" smtClean="0"/>
-              <a:t>control </a:t>
-            </a:r>
-            <a:r>
-              <a:rPr lang="en-US" dirty="0" smtClean="0"/>
-              <a:t>– </a:t>
+              <a:t>control – </a:t>
             </a:r>
             <a:r>
               <a:rPr lang="en-US" b="1" dirty="0" smtClean="0"/>
@@ -9938,7 +9974,6 @@
               <a:rPr lang="en-US" dirty="0" smtClean="0"/>
               <a:t> </a:t>
             </a:r>
-            <a:endParaRPr lang="en-US" dirty="0" smtClean="0"/>
           </a:p>
           <a:p>
             <a:pPr lvl="2"/>
@@ -10992,7 +11027,22 @@
                 <a:ea typeface="MS Mincho" pitchFamily="49" charset="-128"/>
                 <a:cs typeface="Times New Roman" pitchFamily="18" charset="0"/>
               </a:rPr>
-              <a:t>Culture, rewards and boundaries are the three levers</a:t>
+              <a:t>Culture, rewards and boundaries are the three </a:t>
+            </a:r>
+            <a:r>
+              <a:rPr kumimoji="0" lang="en-US" altLang="ja-JP" sz="2200" b="0" i="0" u="none" strike="noStrike" cap="none" normalizeH="0" baseline="0" dirty="0" smtClean="0">
+                <a:ln>
+                  <a:noFill/>
+                </a:ln>
+                <a:solidFill>
+                  <a:srgbClr val="000000"/>
+                </a:solidFill>
+                <a:effectLst/>
+                <a:latin typeface="+mn-lt"/>
+                <a:ea typeface="MS Mincho" pitchFamily="49" charset="-128"/>
+                <a:cs typeface="Times New Roman" pitchFamily="18" charset="0"/>
+              </a:rPr>
+              <a:t>levels</a:t>
             </a:r>
             <a:r>
               <a:rPr kumimoji="0" lang="en-US" altLang="ja-JP" sz="2200" b="0" i="0" u="none" strike="noStrike" cap="none" normalizeH="0" dirty="0" smtClean="0">
@@ -11007,7 +11057,22 @@
                 <a:ea typeface="MS Mincho" pitchFamily="49" charset="-128"/>
                 <a:cs typeface="Times New Roman" pitchFamily="18" charset="0"/>
               </a:rPr>
-              <a:t> for behavior control. Which of the following statements about these levers is NOT </a:t>
+              <a:t> </a:t>
+            </a:r>
+            <a:r>
+              <a:rPr kumimoji="0" lang="en-US" altLang="ja-JP" sz="2200" b="0" i="0" u="none" strike="noStrike" cap="none" normalizeH="0" dirty="0" smtClean="0">
+                <a:ln>
+                  <a:noFill/>
+                </a:ln>
+                <a:solidFill>
+                  <a:srgbClr val="000000"/>
+                </a:solidFill>
+                <a:effectLst/>
+                <a:latin typeface="+mn-lt"/>
+                <a:ea typeface="MS Mincho" pitchFamily="49" charset="-128"/>
+                <a:cs typeface="Times New Roman" pitchFamily="18" charset="0"/>
+              </a:rPr>
+              <a:t>for behavior control. Which of the following statements about these levers is NOT </a:t>
             </a:r>
             <a:r>
               <a:rPr kumimoji="0" lang="en-US" altLang="ja-JP" sz="2200" b="0" i="0" u="none" strike="noStrike" cap="none" normalizeH="0" dirty="0" smtClean="0">
@@ -11402,7 +11467,6 @@
               <a:rPr lang="en-US" b="1" dirty="0" smtClean="0"/>
               <a:t>Formalized patterns of interactions that link a firm’s tasks, technologies and people</a:t>
             </a:r>
-            <a:endParaRPr lang="en-US" b="1" dirty="0" smtClean="0"/>
           </a:p>
           <a:p>
             <a:endParaRPr lang="en-US" sz="800" dirty="0"/>
@@ -11421,11 +11485,7 @@
             </a:r>
             <a:r>
               <a:rPr lang="en-US" dirty="0" smtClean="0"/>
-              <a:t>groupings </a:t>
-            </a:r>
-            <a:r>
-              <a:rPr lang="en-US" dirty="0" smtClean="0"/>
-              <a:t>(</a:t>
+              <a:t>groupings (</a:t>
             </a:r>
             <a:r>
               <a:rPr lang="en-US" b="1" dirty="0" smtClean="0"/>
@@ -11445,11 +11505,7 @@
             </a:r>
             <a:r>
               <a:rPr lang="en-US" dirty="0" smtClean="0"/>
-              <a:t>effectiveness </a:t>
-            </a:r>
-            <a:r>
-              <a:rPr lang="en-US" dirty="0" smtClean="0"/>
-              <a:t>(</a:t>
+              <a:t>effectiveness (</a:t>
             </a:r>
             <a:r>
               <a:rPr lang="en-US" b="1" dirty="0" smtClean="0"/>
@@ -13613,15 +13669,7 @@
             <a:pPr lvl="1"/>
             <a:r>
               <a:rPr lang="en-US" dirty="0" smtClean="0"/>
-              <a:t>“Do the organization’s goals and strategies still </a:t>
-            </a:r>
-            <a:r>
-              <a:rPr lang="en-US" dirty="0" smtClean="0"/>
-              <a:t>‘fit’ </a:t>
-            </a:r>
-            <a:r>
-              <a:rPr lang="en-US" dirty="0" smtClean="0"/>
-              <a:t>within the context of the current strategic environment?”</a:t>
+              <a:t>“Do the organization’s goals and strategies still ‘fit’ within the context of the current strategic environment?”</a:t>
             </a:r>
           </a:p>
           <a:p>
@@ -13830,7 +13878,6 @@
               <a:rPr lang="en-US" sz="2500" b="1" dirty="0" smtClean="0"/>
               <a:t>products, projects, or markets</a:t>
             </a:r>
-            <a:endParaRPr lang="en-US" sz="2500" b="1" dirty="0" smtClean="0"/>
           </a:p>
           <a:p>
             <a:r>
@@ -14214,8 +14261,13 @@
             </a:pPr>
             <a:r>
               <a:rPr lang="en-US" sz="2000" dirty="0" smtClean="0"/>
-              <a:t>Additional level of management increases the number of personnel and overhead expanses </a:t>
-            </a:r>
+              <a:t>Additional level of management increases the number of personnel and overhead </a:t>
+            </a:r>
+            <a:r>
+              <a:rPr lang="en-US" sz="2000" dirty="0" smtClean="0"/>
+              <a:t>expenses </a:t>
+            </a:r>
+            <a:endParaRPr lang="en-US" sz="2000" dirty="0" smtClean="0"/>
           </a:p>
           <a:p>
             <a:pPr marL="273050" lvl="2" indent="-273050">
@@ -14797,19 +14849,11 @@
             </a:r>
             <a:r>
               <a:rPr lang="en-US" b="1" i="1" dirty="0" smtClean="0"/>
-              <a:t>coordinat</a:t>
-            </a:r>
-            <a:r>
-              <a:rPr lang="en-US" b="1" i="1" dirty="0" smtClean="0"/>
-              <a:t>e </a:t>
+              <a:t>coordinate </a:t>
             </a:r>
             <a:r>
               <a:rPr lang="en-US" dirty="0" smtClean="0"/>
-              <a:t>people </a:t>
-            </a:r>
-            <a:r>
-              <a:rPr lang="en-US" dirty="0" smtClean="0"/>
-              <a:t>and functions to accomplish organizational tasks. </a:t>
+              <a:t>people and functions to accomplish organizational tasks. </a:t>
             </a:r>
           </a:p>
           <a:p>
@@ -15726,11 +15770,7 @@
             </a:r>
             <a:r>
               <a:rPr lang="en-US" dirty="0" smtClean="0"/>
-              <a:t> </a:t>
-            </a:r>
-            <a:r>
-              <a:rPr lang="en-US" dirty="0" smtClean="0"/>
-              <a:t>control system</a:t>
+              <a:t> control system</a:t>
             </a:r>
           </a:p>
           <a:p>
@@ -15754,11 +15794,7 @@
             </a:r>
             <a:r>
               <a:rPr lang="en-US" dirty="0" smtClean="0"/>
-              <a:t> </a:t>
-            </a:r>
-            <a:r>
-              <a:rPr lang="en-US" dirty="0" smtClean="0"/>
-              <a:t>control system</a:t>
+              <a:t> control system</a:t>
             </a:r>
           </a:p>
           <a:p>
@@ -16339,7 +16375,6 @@
               <a:rPr lang="en-US" b="1" dirty="0" smtClean="0"/>
               <a:t>transforming organization from what they are to what the leader would have them become</a:t>
             </a:r>
-            <a:endParaRPr lang="en-US" b="1" dirty="0" smtClean="0"/>
           </a:p>
         </p:txBody>
       </p:sp>
@@ -16696,7 +16731,6 @@
               <a:rPr lang="en-US" sz="2400" b="1" dirty="0" smtClean="0"/>
               <a:t>Setting a directions</a:t>
             </a:r>
-            <a:endParaRPr lang="en-US" sz="2400" b="1" dirty="0" smtClean="0"/>
           </a:p>
           <a:p>
             <a:pPr lvl="1"/>
@@ -16704,7 +16738,6 @@
               <a:rPr lang="en-US" sz="2400" b="1" dirty="0" smtClean="0"/>
               <a:t>Designing the organization</a:t>
             </a:r>
-            <a:endParaRPr lang="en-US" sz="2400" b="1" dirty="0" smtClean="0"/>
           </a:p>
           <a:p>
             <a:pPr lvl="1"/>
@@ -16712,7 +16745,6 @@
               <a:rPr lang="en-US" sz="2400" b="1" dirty="0" smtClean="0"/>
               <a:t>Nurturing culture dedicated to excellence and ethical behavior</a:t>
             </a:r>
-            <a:endParaRPr lang="en-US" sz="2400" b="1" dirty="0" smtClean="0"/>
           </a:p>
         </p:txBody>
       </p:sp>
@@ -16881,7 +16913,7 @@
           <a:graphicData uri="http://schemas.openxmlformats.org/presentationml/2006/ole">
             <mc:AlternateContent xmlns:mc="http://schemas.openxmlformats.org/markup-compatibility/2006">
               <mc:Choice xmlns:v="urn:schemas-microsoft-com:vml" Requires="v">
-                <p:oleObj spid="_x0000_s1233" name="Photo Editor Photo" r:id="rId4" imgW="1628571" imgH="466543" progId="MSPhotoEd.3">
+                <p:oleObj spid="_x0000_s1278" name="Photo Editor Photo" r:id="rId4" imgW="1628571" imgH="466543" progId="MSPhotoEd.3">
                   <p:embed/>
                 </p:oleObj>
               </mc:Choice>
@@ -16980,7 +17012,7 @@
           <a:graphicData uri="http://schemas.openxmlformats.org/presentationml/2006/ole">
             <mc:AlternateContent xmlns:mc="http://schemas.openxmlformats.org/markup-compatibility/2006">
               <mc:Choice xmlns:v="urn:schemas-microsoft-com:vml" Requires="v">
-                <p:oleObj spid="_x0000_s1234" name="Photo Editor Photo" r:id="rId6" imgW="1628571" imgH="457143" progId="MSPhotoEd.3">
+                <p:oleObj spid="_x0000_s1279" name="Photo Editor Photo" r:id="rId6" imgW="1628571" imgH="457143" progId="MSPhotoEd.3">
                   <p:embed/>
                 </p:oleObj>
               </mc:Choice>
@@ -17079,7 +17111,7 @@
           <a:graphicData uri="http://schemas.openxmlformats.org/presentationml/2006/ole">
             <mc:AlternateContent xmlns:mc="http://schemas.openxmlformats.org/markup-compatibility/2006">
               <mc:Choice xmlns:v="urn:schemas-microsoft-com:vml" Requires="v">
-                <p:oleObj spid="_x0000_s1235" name="Photo Editor Photo" r:id="rId8" imgW="1628571" imgH="457143" progId="MSPhotoEd.3">
+                <p:oleObj spid="_x0000_s1280" name="Photo Editor Photo" r:id="rId8" imgW="1628571" imgH="457143" progId="MSPhotoEd.3">
                   <p:embed/>
                 </p:oleObj>
               </mc:Choice>
@@ -17178,7 +17210,7 @@
           <a:graphicData uri="http://schemas.openxmlformats.org/presentationml/2006/ole">
             <mc:AlternateContent xmlns:mc="http://schemas.openxmlformats.org/markup-compatibility/2006">
               <mc:Choice xmlns:v="urn:schemas-microsoft-com:vml" Requires="v">
-                <p:oleObj spid="_x0000_s1236" name="Photo Editor Photo" r:id="rId10" imgW="1628571" imgH="457143" progId="MSPhotoEd.3">
+                <p:oleObj spid="_x0000_s1281" name="Photo Editor Photo" r:id="rId10" imgW="1628571" imgH="457143" progId="MSPhotoEd.3">
                   <p:embed/>
                 </p:oleObj>
               </mc:Choice>
@@ -17277,7 +17309,7 @@
           <a:graphicData uri="http://schemas.openxmlformats.org/presentationml/2006/ole">
             <mc:AlternateContent xmlns:mc="http://schemas.openxmlformats.org/markup-compatibility/2006">
               <mc:Choice xmlns:v="urn:schemas-microsoft-com:vml" Requires="v">
-                <p:oleObj spid="_x0000_s1237" name="Photo Editor Photo" r:id="rId12" imgW="1628571" imgH="457143" progId="MSPhotoEd.3">
+                <p:oleObj spid="_x0000_s1282" name="Photo Editor Photo" r:id="rId12" imgW="1628571" imgH="457143" progId="MSPhotoEd.3">
                   <p:embed/>
                 </p:oleObj>
               </mc:Choice>
@@ -17376,7 +17408,7 @@
           <a:graphicData uri="http://schemas.openxmlformats.org/presentationml/2006/ole">
             <mc:AlternateContent xmlns:mc="http://schemas.openxmlformats.org/markup-compatibility/2006">
               <mc:Choice xmlns:v="urn:schemas-microsoft-com:vml" Requires="v">
-                <p:oleObj spid="_x0000_s1238" name="Photo Editor Photo" r:id="rId14" imgW="1628571" imgH="466543" progId="MSPhotoEd.3">
+                <p:oleObj spid="_x0000_s1283" name="Photo Editor Photo" r:id="rId14" imgW="1628571" imgH="466543" progId="MSPhotoEd.3">
                   <p:embed/>
                 </p:oleObj>
               </mc:Choice>
@@ -18206,7 +18238,7 @@
           <a:graphicData uri="http://schemas.openxmlformats.org/presentationml/2006/ole">
             <mc:AlternateContent xmlns:mc="http://schemas.openxmlformats.org/markup-compatibility/2006">
               <mc:Choice xmlns:v="urn:schemas-microsoft-com:vml" Requires="v">
-                <p:oleObj spid="_x0000_s1239" name="Photo Editor Photo" r:id="rId16" imgW="1428949" imgH="438095" progId="MSPhotoEd.3">
+                <p:oleObj spid="_x0000_s1284" name="Photo Editor Photo" r:id="rId16" imgW="1428949" imgH="438095" progId="MSPhotoEd.3">
                   <p:embed/>
                 </p:oleObj>
               </mc:Choice>
@@ -18305,7 +18337,7 @@
           <a:graphicData uri="http://schemas.openxmlformats.org/presentationml/2006/ole">
             <mc:AlternateContent xmlns:mc="http://schemas.openxmlformats.org/markup-compatibility/2006">
               <mc:Choice xmlns:v="urn:schemas-microsoft-com:vml" Requires="v">
-                <p:oleObj spid="_x0000_s1240" name="Photo Editor Photo" r:id="rId18" imgW="1438095" imgH="457143" progId="MSPhotoEd.3">
+                <p:oleObj spid="_x0000_s1285" name="Photo Editor Photo" r:id="rId18" imgW="1438095" imgH="457143" progId="MSPhotoEd.3">
                   <p:embed/>
                 </p:oleObj>
               </mc:Choice>
@@ -18404,7 +18436,7 @@
           <a:graphicData uri="http://schemas.openxmlformats.org/presentationml/2006/ole">
             <mc:AlternateContent xmlns:mc="http://schemas.openxmlformats.org/markup-compatibility/2006">
               <mc:Choice xmlns:v="urn:schemas-microsoft-com:vml" Requires="v">
-                <p:oleObj spid="_x0000_s1241" name="Photo Editor Photo" r:id="rId20" imgW="1428949" imgH="457143" progId="MSPhotoEd.3">
+                <p:oleObj spid="_x0000_s1286" name="Photo Editor Photo" r:id="rId20" imgW="1428949" imgH="457143" progId="MSPhotoEd.3">
                   <p:embed/>
                 </p:oleObj>
               </mc:Choice>
@@ -20670,7 +20702,6 @@
               <a:rPr lang="en-US" b="1" dirty="0" smtClean="0"/>
               <a:t>sequential</a:t>
             </a:r>
-            <a:endParaRPr lang="en-US" b="1" dirty="0" smtClean="0"/>
           </a:p>
           <a:p>
             <a:pPr lvl="1">
@@ -22310,9 +22341,14 @@
               </a:lnSpc>
             </a:pPr>
             <a:r>
+              <a:rPr lang="en-US" b="1" dirty="0" smtClean="0"/>
+              <a:t>Radical </a:t>
+            </a:r>
+            <a:r>
               <a:rPr lang="en-US" dirty="0" smtClean="0"/>
-              <a:t>__________ innovation</a:t>
-            </a:r>
+              <a:t>innovation</a:t>
+            </a:r>
+            <a:endParaRPr lang="en-US" dirty="0" smtClean="0"/>
           </a:p>
           <a:p>
             <a:pPr lvl="3">
@@ -22365,9 +22401,14 @@
               </a:lnSpc>
             </a:pPr>
             <a:r>
+              <a:rPr lang="en-US" b="1" dirty="0" smtClean="0"/>
+              <a:t>Incremental </a:t>
+            </a:r>
+            <a:r>
               <a:rPr lang="en-US" dirty="0" smtClean="0"/>
-              <a:t>__________ innovation</a:t>
-            </a:r>
+              <a:t>innovation</a:t>
+            </a:r>
+            <a:endParaRPr lang="en-US" dirty="0" smtClean="0"/>
           </a:p>
           <a:p>
             <a:pPr lvl="3">
@@ -23661,9 +23702,14 @@
           <a:p>
             <a:pPr lvl="1"/>
             <a:r>
+              <a:rPr lang="en-US" b="1" dirty="0" smtClean="0"/>
+              <a:t>Product </a:t>
+            </a:r>
+            <a:r>
               <a:rPr lang="en-US" dirty="0" smtClean="0"/>
-              <a:t>___________ innovation</a:t>
-            </a:r>
+              <a:t>innovation</a:t>
+            </a:r>
+            <a:endParaRPr lang="en-US" dirty="0" smtClean="0"/>
           </a:p>
           <a:p>
             <a:pPr lvl="2"/>
@@ -23676,15 +23722,48 @@
             <a:pPr lvl="2"/>
             <a:r>
               <a:rPr lang="en-US" dirty="0" smtClean="0"/>
-              <a:t>More _____ and common during ________of an industry’s life cycle</a:t>
+              <a:t>More </a:t>
+            </a:r>
+            <a:r>
+              <a:rPr lang="en-US" b="1" dirty="0" smtClean="0"/>
+              <a:t>radical </a:t>
+            </a:r>
+            <a:r>
+              <a:rPr lang="en-US" dirty="0" smtClean="0"/>
+              <a:t>and </a:t>
+            </a:r>
+            <a:r>
+              <a:rPr lang="en-US" dirty="0" smtClean="0"/>
+              <a:t>common during </a:t>
+            </a:r>
+            <a:r>
+              <a:rPr lang="en-US" b="1" dirty="0" smtClean="0"/>
+              <a:t>common </a:t>
+            </a:r>
+            <a:r>
+              <a:rPr lang="en-US" dirty="0" smtClean="0"/>
+              <a:t>of </a:t>
+            </a:r>
+            <a:r>
+              <a:rPr lang="en-US" dirty="0" smtClean="0"/>
+              <a:t>an industry’s life cycle</a:t>
             </a:r>
           </a:p>
           <a:p>
             <a:pPr lvl="2"/>
             <a:r>
               <a:rPr lang="en-US" dirty="0" smtClean="0"/>
-              <a:t>Associated with _____________ strategies</a:t>
-            </a:r>
+              <a:t>Associated with </a:t>
+            </a:r>
+            <a:r>
+              <a:rPr lang="en-US" b="1" dirty="0" smtClean="0"/>
+              <a:t>differentiation </a:t>
+            </a:r>
+            <a:r>
+              <a:rPr lang="en-US" dirty="0" smtClean="0"/>
+              <a:t>strategies</a:t>
+            </a:r>
+            <a:endParaRPr lang="en-US" dirty="0" smtClean="0"/>
           </a:p>
           <a:p>
             <a:pPr lvl="1" eaLnBrk="1" hangingPunct="1">
@@ -23805,9 +23884,14 @@
           <a:p>
             <a:pPr lvl="1"/>
             <a:r>
+              <a:rPr lang="en-US" b="1" dirty="0" smtClean="0"/>
+              <a:t>Process </a:t>
+            </a:r>
+            <a:r>
               <a:rPr lang="en-US" dirty="0" smtClean="0"/>
-              <a:t>____________ innovation</a:t>
-            </a:r>
+              <a:t>innovation</a:t>
+            </a:r>
+            <a:endParaRPr lang="en-US" dirty="0" smtClean="0"/>
           </a:p>
           <a:p>
             <a:pPr lvl="2"/>
@@ -23848,15 +23932,36 @@
             <a:pPr lvl="2"/>
             <a:r>
               <a:rPr lang="en-US" dirty="0" smtClean="0"/>
-              <a:t>More likely to occur in ___________ of an industry’s life cycle</a:t>
+              <a:t>More likely to occur in </a:t>
+            </a:r>
+            <a:r>
+              <a:rPr lang="en-US" b="1" dirty="0" smtClean="0"/>
+              <a:t>later stages </a:t>
+            </a:r>
+            <a:r>
+              <a:rPr lang="en-US" dirty="0" smtClean="0"/>
+              <a:t>of </a:t>
+            </a:r>
+            <a:r>
+              <a:rPr lang="en-US" dirty="0" smtClean="0"/>
+              <a:t>an industry’s life cycle</a:t>
             </a:r>
           </a:p>
           <a:p>
             <a:pPr lvl="2"/>
             <a:r>
               <a:rPr lang="en-US" dirty="0" smtClean="0"/>
-              <a:t>Associated with ____________ strategies</a:t>
-            </a:r>
+              <a:t>Associated with </a:t>
+            </a:r>
+            <a:r>
+              <a:rPr lang="en-US" b="1" dirty="0" smtClean="0"/>
+              <a:t>leadership </a:t>
+            </a:r>
+            <a:r>
+              <a:rPr lang="en-US" dirty="0" smtClean="0"/>
+              <a:t>strategies</a:t>
+            </a:r>
+            <a:endParaRPr lang="en-US" dirty="0" smtClean="0"/>
           </a:p>
         </p:txBody>
       </p:sp>
@@ -24147,7 +24252,6 @@
               <a:rPr lang="en-US" sz="2300" b="1" dirty="0" smtClean="0"/>
               <a:t>simple </a:t>
             </a:r>
-            <a:endParaRPr lang="en-US" sz="2300" b="1" dirty="0" smtClean="0"/>
           </a:p>
           <a:p>
             <a:pPr lvl="1">
@@ -24163,7 +24267,6 @@
               <a:rPr lang="en-US" sz="2300" b="1" dirty="0" smtClean="0"/>
               <a:t>certainty</a:t>
             </a:r>
-            <a:endParaRPr lang="en-US" sz="2300" b="1" dirty="0" smtClean="0"/>
           </a:p>
           <a:p>
             <a:pPr lvl="1">
@@ -24179,7 +24282,6 @@
               <a:rPr lang="en-US" sz="2300" b="1" dirty="0" smtClean="0"/>
               <a:t>performance</a:t>
             </a:r>
-            <a:endParaRPr lang="en-US" sz="2300" b="1" dirty="0" smtClean="0"/>
           </a:p>
           <a:p>
             <a:pPr lvl="1">
@@ -24372,12 +24474,16 @@
               <a:buChar char=""/>
             </a:pPr>
             <a:r>
-              <a:rPr lang="en-US" sz="2400" dirty="0" smtClean="0">
+              <a:rPr lang="en-US" sz="2400" b="1" dirty="0" smtClean="0">
                 <a:latin typeface="+mn-lt"/>
                 <a:cs typeface="+mn-cs"/>
               </a:rPr>
-              <a:t>___________________________________ </a:t>
-            </a:r>
+              <a:t>Pursuit of new venture opportunities</a:t>
+            </a:r>
+            <a:endParaRPr lang="en-US" sz="2400" b="1" dirty="0" smtClean="0">
+              <a:latin typeface="+mn-lt"/>
+              <a:cs typeface="+mn-cs"/>
+            </a:endParaRPr>
           </a:p>
           <a:p>
             <a:pPr marL="639763" lvl="1" indent="-246063" eaLnBrk="0" hangingPunct="0">
@@ -24395,12 +24501,16 @@
               <a:buChar char=""/>
             </a:pPr>
             <a:r>
-              <a:rPr lang="en-US" sz="2400" dirty="0" smtClean="0">
+              <a:rPr lang="en-US" sz="2400" b="1" dirty="0" smtClean="0">
                 <a:latin typeface="+mn-lt"/>
                 <a:cs typeface="+mn-cs"/>
               </a:rPr>
-              <a:t>___________________________________</a:t>
-            </a:r>
+              <a:t>Strategic renewal</a:t>
+            </a:r>
+            <a:endParaRPr lang="en-US" sz="2400" b="1" dirty="0" smtClean="0">
+              <a:latin typeface="+mn-lt"/>
+              <a:cs typeface="+mn-cs"/>
+            </a:endParaRPr>
           </a:p>
           <a:p>
             <a:pPr marL="273050" indent="-273050" eaLnBrk="0" hangingPunct="0">
@@ -24568,9 +24678,10 @@
               </a:lnSpc>
             </a:pPr>
             <a:r>
-              <a:rPr lang="en-US" dirty="0" smtClean="0"/>
-              <a:t>_______________________________________________ _______________________________</a:t>
-            </a:r>
+              <a:rPr lang="en-US" b="1" dirty="0" smtClean="0"/>
+              <a:t>Separate the corporate venturing activity from the other ongoing operations of the firm</a:t>
+            </a:r>
+            <a:endParaRPr lang="en-US" b="1" dirty="0" smtClean="0"/>
           </a:p>
           <a:p>
             <a:pPr lvl="1">
@@ -24719,9 +24830,10 @@
               </a:lnSpc>
             </a:pPr>
             <a:r>
-              <a:rPr lang="en-US" sz="2100" dirty="0" smtClean="0"/>
-              <a:t>_______________________________________________________ ______________________________________</a:t>
-            </a:r>
+              <a:rPr lang="en-US" sz="2100" b="1" dirty="0" smtClean="0"/>
+              <a:t>A dedication to the principle and practices of entrepreneurship is spread throughout the organization</a:t>
+            </a:r>
+            <a:endParaRPr lang="en-US" sz="2100" b="1" dirty="0" smtClean="0"/>
           </a:p>
           <a:p>
             <a:pPr lvl="1">
@@ -25172,7 +25284,6 @@
               <a:rPr lang="en-US" sz="2500" b="1" dirty="0" smtClean="0"/>
               <a:t>interactive</a:t>
             </a:r>
-            <a:endParaRPr lang="en-US" sz="2500" b="1" dirty="0" smtClean="0"/>
           </a:p>
           <a:p>
             <a:r>
